--- a/docs/res/Java EE - Pertemuan 4.pptx
+++ b/docs/res/Java EE - Pertemuan 4.pptx
@@ -14,10 +14,11 @@
     <p:sldId id="271" r:id="rId9"/>
     <p:sldId id="277" r:id="rId10"/>
     <p:sldId id="278" r:id="rId11"/>
-    <p:sldId id="273" r:id="rId12"/>
-    <p:sldId id="274" r:id="rId13"/>
-    <p:sldId id="276" r:id="rId14"/>
-    <p:sldId id="275" r:id="rId15"/>
+    <p:sldId id="279" r:id="rId12"/>
+    <p:sldId id="273" r:id="rId13"/>
+    <p:sldId id="274" r:id="rId14"/>
+    <p:sldId id="276" r:id="rId15"/>
+    <p:sldId id="275" r:id="rId16"/>
   </p:sldIdLst>
   <p:sldSz cx="12192000" cy="6858000"/>
   <p:notesSz cx="6858000" cy="9144000"/>
@@ -3303,7 +3304,7 @@
       <p:grpSpPr/>
       <p:sp>
         <p:nvSpPr>
-          <p:cNvPr id="4" name="Title 3"/>
+          <p:cNvPr id="2" name="Title 1"/>
           <p:cNvSpPr>
             <a:spLocks noGrp="1"/>
           </p:cNvSpPr>
@@ -3316,39 +3317,89 @@
           <a:bodyPr/>
           <a:p>
             <a:r>
-              <a:rPr lang="en-US">
-                <a:solidFill>
-                  <a:schemeClr val="tx1"/>
-                </a:solidFill>
+              <a:rPr lang="en-US"/>
+              <a:t>Diskusi</a:t>
+            </a:r>
+            <a:endParaRPr lang="en-US"/>
+          </a:p>
+        </p:txBody>
+      </p:sp>
+      <p:sp>
+        <p:nvSpPr>
+          <p:cNvPr id="3" name="Content Placeholder 2"/>
+          <p:cNvSpPr>
+            <a:spLocks noGrp="1"/>
+          </p:cNvSpPr>
+          <p:nvPr>
+            <p:ph idx="1"/>
+          </p:nvPr>
+        </p:nvSpPr>
+        <p:spPr>
+          <a:xfrm>
+            <a:off x="4255135" y="1174750"/>
+            <a:ext cx="7327265" cy="4953000"/>
+          </a:xfrm>
+        </p:spPr>
+        <p:txBody>
+          <a:bodyPr/>
+          <a:p>
+            <a:r>
+              <a:rPr lang="en-US" altLang="en-US"/>
+              <a:t>Check </a:t>
+            </a:r>
+            <a:r>
+              <a:rPr lang="en-US" altLang="en-US">
+                <a:sym typeface="+mn-ea"/>
+                <a:hlinkClick r:id="rId1" action="ppaction://hlinkfile"/>
               </a:rPr>
-              <a:t>Latihan</a:t>
-            </a:r>
-            <a:endParaRPr lang="en-US">
-              <a:solidFill>
-                <a:schemeClr val="tx1"/>
-              </a:solidFill>
-            </a:endParaRPr>
-          </a:p>
-        </p:txBody>
-      </p:sp>
-      <p:sp>
-        <p:nvSpPr>
-          <p:cNvPr id="5" name="Text Placeholder 4"/>
-          <p:cNvSpPr>
-            <a:spLocks noGrp="1"/>
-          </p:cNvSpPr>
-          <p:nvPr>
-            <p:ph type="body" idx="1"/>
-          </p:nvPr>
-        </p:nvSpPr>
-        <p:spPr/>
-        <p:txBody>
-          <a:bodyPr/>
-          <a:p>
-            <a:endParaRPr lang="en-US"/>
-          </a:p>
-        </p:txBody>
-      </p:sp>
+              <a:t>Dokumentasi Java - Date</a:t>
+            </a:r>
+            <a:endParaRPr lang="en-US" altLang="en-US"/>
+          </a:p>
+          <a:p>
+            <a:pPr lvl="1"/>
+            <a:r>
+              <a:rPr lang="en-US" altLang="en-US"/>
+              <a:t>Apa saja class dan method yang bisa Anda kenali fungsinya?</a:t>
+            </a:r>
+            <a:endParaRPr lang="en-US" altLang="en-US"/>
+          </a:p>
+          <a:p>
+            <a:pPr lvl="1"/>
+            <a:r>
+              <a:rPr lang="en-US" altLang="en-US"/>
+              <a:t>Apa yang dimaksud dengan fungsi yang ditandai “deprecated” ?</a:t>
+            </a:r>
+            <a:endParaRPr lang="en-US" altLang="en-US"/>
+          </a:p>
+          <a:p>
+            <a:pPr lvl="1"/>
+            <a:endParaRPr lang="en-US" altLang="en-US"/>
+          </a:p>
+        </p:txBody>
+      </p:sp>
+      <p:pic>
+        <p:nvPicPr>
+          <p:cNvPr id="4" name="Picture 3"/>
+          <p:cNvPicPr/>
+          <p:nvPr/>
+        </p:nvPicPr>
+        <p:blipFill>
+          <a:blip r:embed="rId2"/>
+          <a:stretch>
+            <a:fillRect/>
+          </a:stretch>
+        </p:blipFill>
+        <p:spPr>
+          <a:xfrm>
+            <a:off x="609600" y="1174750"/>
+            <a:ext cx="3219450" cy="3219450"/>
+          </a:xfrm>
+          <a:prstGeom prst="rect">
+            <a:avLst/>
+          </a:prstGeom>
+        </p:spPr>
+      </p:pic>
     </p:spTree>
   </p:cSld>
   <p:clrMapOvr>
@@ -3358,6 +3409,72 @@
 </file>
 
 <file path=ppt/slides/slide11.xml><?xml version="1.0" encoding="utf-8"?>
+<p:sld xmlns:a="http://schemas.openxmlformats.org/drawingml/2006/main" xmlns:r="http://schemas.openxmlformats.org/officeDocument/2006/relationships" xmlns:p="http://schemas.openxmlformats.org/presentationml/2006/main">
+  <p:cSld>
+    <p:spTree>
+      <p:nvGrpSpPr>
+        <p:cNvPr id="1" name=""/>
+        <p:cNvGrpSpPr/>
+        <p:nvPr/>
+      </p:nvGrpSpPr>
+      <p:grpSpPr/>
+      <p:sp>
+        <p:nvSpPr>
+          <p:cNvPr id="4" name="Title 3"/>
+          <p:cNvSpPr>
+            <a:spLocks noGrp="1"/>
+          </p:cNvSpPr>
+          <p:nvPr>
+            <p:ph type="title"/>
+          </p:nvPr>
+        </p:nvSpPr>
+        <p:spPr/>
+        <p:txBody>
+          <a:bodyPr/>
+          <a:p>
+            <a:r>
+              <a:rPr lang="en-US">
+                <a:solidFill>
+                  <a:schemeClr val="tx1"/>
+                </a:solidFill>
+              </a:rPr>
+              <a:t>Latihan</a:t>
+            </a:r>
+            <a:endParaRPr lang="en-US">
+              <a:solidFill>
+                <a:schemeClr val="tx1"/>
+              </a:solidFill>
+            </a:endParaRPr>
+          </a:p>
+        </p:txBody>
+      </p:sp>
+      <p:sp>
+        <p:nvSpPr>
+          <p:cNvPr id="5" name="Text Placeholder 4"/>
+          <p:cNvSpPr>
+            <a:spLocks noGrp="1"/>
+          </p:cNvSpPr>
+          <p:nvPr>
+            <p:ph type="body" idx="1"/>
+          </p:nvPr>
+        </p:nvSpPr>
+        <p:spPr/>
+        <p:txBody>
+          <a:bodyPr/>
+          <a:p>
+            <a:endParaRPr lang="en-US"/>
+          </a:p>
+        </p:txBody>
+      </p:sp>
+    </p:spTree>
+  </p:cSld>
+  <p:clrMapOvr>
+    <a:masterClrMapping/>
+  </p:clrMapOvr>
+</p:sld>
+</file>
+
+<file path=ppt/slides/slide12.xml><?xml version="1.0" encoding="utf-8"?>
 <p:sld xmlns:a="http://schemas.openxmlformats.org/drawingml/2006/main" xmlns:r="http://schemas.openxmlformats.org/officeDocument/2006/relationships" xmlns:p="http://schemas.openxmlformats.org/presentationml/2006/main">
   <p:cSld>
     <p:spTree>
@@ -3484,7 +3601,7 @@
 </p:sld>
 </file>
 
-<file path=ppt/slides/slide12.xml><?xml version="1.0" encoding="utf-8"?>
+<file path=ppt/slides/slide13.xml><?xml version="1.0" encoding="utf-8"?>
 <p:sld xmlns:a="http://schemas.openxmlformats.org/drawingml/2006/main" xmlns:r="http://schemas.openxmlformats.org/officeDocument/2006/relationships" xmlns:p="http://schemas.openxmlformats.org/presentationml/2006/main">
   <p:cSld>
     <p:spTree>
@@ -3550,7 +3667,7 @@
 </p:sld>
 </file>
 
-<file path=ppt/slides/slide13.xml><?xml version="1.0" encoding="utf-8"?>
+<file path=ppt/slides/slide14.xml><?xml version="1.0" encoding="utf-8"?>
 <p:sld xmlns:a="http://schemas.openxmlformats.org/drawingml/2006/main" xmlns:r="http://schemas.openxmlformats.org/officeDocument/2006/relationships" xmlns:p="http://schemas.openxmlformats.org/presentationml/2006/main">
   <p:cSld>
     <p:spTree>
@@ -4181,7 +4298,7 @@
             </a:r>
             <a:r>
               <a:rPr lang="en-US" altLang="en-US" sz="2400">
-                <a:hlinkClick r:id="rId1" tooltip="" action="ppaction://hlinkfile"/>
+                <a:hlinkClick r:id="rId1" action="ppaction://hlinkfile"/>
               </a:rPr>
               <a:t>Dokumentasi Java - Date</a:t>
             </a:r>
@@ -4254,7 +4371,7 @@
             </a:r>
             <a:r>
               <a:rPr lang="en-US" altLang="en-US">
-                <a:hlinkClick r:id="rId1" tooltip="" action="ppaction://hlinkfile"/>
+                <a:hlinkClick r:id="rId1" action="ppaction://hlinkfile"/>
               </a:rPr>
               <a:t>Java - API Spesification</a:t>
             </a:r>
